--- a/Student_conference/Relaxation_after_shockwave.pptx
+++ b/Student_conference/Relaxation_after_shockwave.pptx
@@ -1763,7 +1763,7 @@
           <a:p>
             <a:r>
               <a:rPr lang="en-US" dirty="0"/>
-              <a:t>SOFTWARE PRODUCT DEVELOPMENTFOR MODELING THE CHEMICALGAS RELAXATION BEHIND A SHOCK WAVEWAVE</a:t>
+              <a:t>SOFTWARE PRODUCT DEVELOPMENTFOR MODELING THE CHEMICAL GAS RELAXATION BEHIND A SHOCK WAVE</a:t>
             </a:r>
             <a:endParaRPr lang="ru-RU" dirty="0"/>
           </a:p>

--- a/Student_conference/Relaxation_after_shockwave.pptx
+++ b/Student_conference/Relaxation_after_shockwave.pptx
@@ -216,7 +216,7 @@
           <a:p>
             <a:fld id="{2E86FABA-D603-46B8-94C7-F73A40963B6B}" type="datetimeFigureOut">
               <a:rPr lang="ru-RU" smtClean="0"/>
-              <a:t>20.05.2024</a:t>
+              <a:t>14.07.2024</a:t>
             </a:fld>
             <a:endParaRPr lang="ru-RU" dirty="0"/>
           </a:p>
@@ -1374,7 +1374,7 @@
           <a:p>
             <a:fld id="{A7CEAB62-4EEE-43F2-A223-FD26436F8458}" type="datetime1">
               <a:rPr lang="ru-RU" smtClean="0"/>
-              <a:t>20.05.2024</a:t>
+              <a:t>14.07.2024</a:t>
             </a:fld>
             <a:endParaRPr lang="ru-RU" dirty="0"/>
           </a:p>
@@ -1763,7 +1763,19 @@
           <a:p>
             <a:r>
               <a:rPr lang="en-US" dirty="0"/>
-              <a:t>SOFTWARE PRODUCT DEVELOPMENTFOR MODELING THE CHEMICAL GAS RELAXATION BEHIND A SHOCK WAVE</a:t>
+              <a:t>SOFTWARE PRODUCT DEVELOPMENT</a:t>
+            </a:r>
+            <a:r>
+              <a:rPr lang="ru-RU"/>
+              <a:t> </a:t>
+            </a:r>
+            <a:r>
+              <a:rPr lang="en-US"/>
+              <a:t>FOR </a:t>
+            </a:r>
+            <a:r>
+              <a:rPr lang="en-US" dirty="0"/>
+              <a:t>MODELING THE CHEMICAL GAS RELAXATION BEHIND A SHOCK WAVE</a:t>
             </a:r>
             <a:endParaRPr lang="ru-RU" dirty="0"/>
           </a:p>
